--- a/GIT 4 VEK.pptx
+++ b/GIT 4 VEK.pptx
@@ -9409,15 +9409,11 @@
           <a:p>
             <a:r>
               <a:rPr lang="en-US" dirty="0" err="1"/>
-              <a:t>Clonando</a:t>
+              <a:t>Salvando</a:t>
             </a:r>
             <a:r>
               <a:rPr lang="en-US" dirty="0"/>
-              <a:t> um </a:t>
-            </a:r>
-            <a:r>
-              <a:rPr lang="en-US" dirty="0" err="1"/>
-              <a:t>repositório</a:t>
+              <a:t> um snapshot (commit)</a:t>
             </a:r>
             <a:endParaRPr lang="pt-BR" dirty="0"/>
           </a:p>
@@ -9444,7 +9440,87 @@
           <a:bodyPr/>
           <a:lstStyle/>
           <a:p>
-            <a:endParaRPr lang="pt-BR"/>
+            <a:r>
+              <a:rPr lang="pt-BR" dirty="0" err="1"/>
+              <a:t>git</a:t>
+            </a:r>
+            <a:r>
+              <a:rPr lang="pt-BR" dirty="0"/>
+              <a:t> </a:t>
+            </a:r>
+            <a:r>
+              <a:rPr lang="pt-BR" dirty="0" err="1"/>
+              <a:t>add</a:t>
+            </a:r>
+            <a:r>
+              <a:rPr lang="pt-BR" dirty="0"/>
+              <a:t> &lt;arquivo-1&gt; &lt;</a:t>
+            </a:r>
+            <a:r>
+              <a:rPr lang="pt-BR" dirty="0" err="1"/>
+              <a:t>arquivo-n</a:t>
+            </a:r>
+            <a:r>
+              <a:rPr lang="pt-BR" dirty="0"/>
+              <a:t>&gt; &lt;arquivos&gt;</a:t>
+            </a:r>
+          </a:p>
+          <a:p>
+            <a:r>
+              <a:rPr lang="pt-BR" dirty="0" err="1"/>
+              <a:t>git</a:t>
+            </a:r>
+            <a:r>
+              <a:rPr lang="pt-BR" dirty="0"/>
+              <a:t> </a:t>
+            </a:r>
+            <a:r>
+              <a:rPr lang="pt-BR" dirty="0" err="1"/>
+              <a:t>commit</a:t>
+            </a:r>
+            <a:endParaRPr lang="pt-BR" dirty="0"/>
+          </a:p>
+          <a:p>
+            <a:endParaRPr lang="pt-BR" dirty="0"/>
+          </a:p>
+          <a:p>
+            <a:r>
+              <a:rPr lang="pt-BR" dirty="0" err="1"/>
+              <a:t>git</a:t>
+            </a:r>
+            <a:r>
+              <a:rPr lang="pt-BR" dirty="0"/>
+              <a:t> </a:t>
+            </a:r>
+            <a:r>
+              <a:rPr lang="pt-BR" dirty="0" err="1"/>
+              <a:t>commit</a:t>
+            </a:r>
+            <a:r>
+              <a:rPr lang="pt-BR" dirty="0"/>
+              <a:t> -a</a:t>
+            </a:r>
+          </a:p>
+          <a:p>
+            <a:r>
+              <a:rPr lang="pt-BR" dirty="0" err="1"/>
+              <a:t>git</a:t>
+            </a:r>
+            <a:r>
+              <a:rPr lang="pt-BR" dirty="0"/>
+              <a:t> </a:t>
+            </a:r>
+            <a:r>
+              <a:rPr lang="pt-BR" dirty="0" err="1"/>
+              <a:t>commit</a:t>
+            </a:r>
+            <a:r>
+              <a:rPr lang="pt-BR" dirty="0"/>
+              <a:t> -m ‘Descrição’</a:t>
+            </a:r>
+          </a:p>
+          <a:p>
+            <a:endParaRPr lang="pt-BR" dirty="0"/>
           </a:p>
         </p:txBody>
       </p:sp>

--- a/GIT 4 VEK.pptx
+++ b/GIT 4 VEK.pptx
@@ -35,17 +35,18 @@
     <p:sldId id="283" r:id="rId29"/>
     <p:sldId id="284" r:id="rId30"/>
     <p:sldId id="260" r:id="rId31"/>
-    <p:sldId id="294" r:id="rId32"/>
-    <p:sldId id="295" r:id="rId33"/>
-    <p:sldId id="293" r:id="rId34"/>
-    <p:sldId id="297" r:id="rId35"/>
-    <p:sldId id="298" r:id="rId36"/>
-    <p:sldId id="299" r:id="rId37"/>
-    <p:sldId id="300" r:id="rId38"/>
-    <p:sldId id="301" r:id="rId39"/>
-    <p:sldId id="278" r:id="rId40"/>
-    <p:sldId id="279" r:id="rId41"/>
-    <p:sldId id="277" r:id="rId42"/>
+    <p:sldId id="303" r:id="rId32"/>
+    <p:sldId id="294" r:id="rId33"/>
+    <p:sldId id="295" r:id="rId34"/>
+    <p:sldId id="293" r:id="rId35"/>
+    <p:sldId id="297" r:id="rId36"/>
+    <p:sldId id="298" r:id="rId37"/>
+    <p:sldId id="299" r:id="rId38"/>
+    <p:sldId id="300" r:id="rId39"/>
+    <p:sldId id="301" r:id="rId40"/>
+    <p:sldId id="278" r:id="rId41"/>
+    <p:sldId id="279" r:id="rId42"/>
+    <p:sldId id="277" r:id="rId43"/>
   </p:sldIdLst>
   <p:sldSz cx="12192000" cy="6858000"/>
   <p:notesSz cx="6858000" cy="9144000"/>
@@ -8268,7 +8269,7 @@
           <a:p>
             <a:r>
               <a:rPr lang="pt-BR" dirty="0"/>
-              <a:t>Configurando o GIT</a:t>
+              <a:t>Configurando o GIT - Usuário</a:t>
             </a:r>
           </a:p>
         </p:txBody>
@@ -8634,7 +8635,7 @@
           <a:p>
             <a:r>
               <a:rPr lang="pt-BR" dirty="0"/>
-              <a:t>Configurando um Editor</a:t>
+              <a:t>Configurando o GIT - Editor Padrão</a:t>
             </a:r>
           </a:p>
         </p:txBody>
@@ -9446,6 +9447,44 @@
             </a:r>
             <a:r>
               <a:rPr lang="pt-BR" dirty="0"/>
+              <a:t> status</a:t>
+            </a:r>
+          </a:p>
+          <a:p>
+            <a:r>
+              <a:rPr lang="pt-BR" dirty="0" err="1"/>
+              <a:t>git</a:t>
+            </a:r>
+            <a:r>
+              <a:rPr lang="pt-BR" dirty="0"/>
+              <a:t> status -s</a:t>
+            </a:r>
+          </a:p>
+          <a:p>
+            <a:r>
+              <a:rPr lang="pt-BR" dirty="0" err="1"/>
+              <a:t>git</a:t>
+            </a:r>
+            <a:r>
+              <a:rPr lang="pt-BR" dirty="0"/>
+              <a:t> </a:t>
+            </a:r>
+            <a:r>
+              <a:rPr lang="pt-BR" dirty="0" err="1"/>
+              <a:t>diff</a:t>
+            </a:r>
+            <a:endParaRPr lang="pt-BR" dirty="0"/>
+          </a:p>
+          <a:p>
+            <a:endParaRPr lang="pt-BR" dirty="0"/>
+          </a:p>
+          <a:p>
+            <a:r>
+              <a:rPr lang="pt-BR" dirty="0" err="1"/>
+              <a:t>git</a:t>
+            </a:r>
+            <a:r>
+              <a:rPr lang="pt-BR" dirty="0"/>
               <a:t> </a:t>
             </a:r>
             <a:r>
@@ -9584,6 +9623,135 @@
           <p:cNvPr id="2" name="Title 1">
             <a:extLst>
               <a:ext uri="{FF2B5EF4-FFF2-40B4-BE49-F238E27FC236}">
+                <a16:creationId xmlns:a16="http://schemas.microsoft.com/office/drawing/2014/main" id="{1582FA9A-4354-48C2-897D-379F903D22BE}"/>
+              </a:ext>
+            </a:extLst>
+          </p:cNvPr>
+          <p:cNvSpPr>
+            <a:spLocks noGrp="1"/>
+          </p:cNvSpPr>
+          <p:nvPr>
+            <p:ph type="title"/>
+          </p:nvPr>
+        </p:nvSpPr>
+        <p:spPr/>
+        <p:txBody>
+          <a:bodyPr/>
+          <a:lstStyle/>
+          <a:p>
+            <a:r>
+              <a:rPr lang="pt-BR" dirty="0"/>
+              <a:t>Comandos GIT</a:t>
+            </a:r>
+          </a:p>
+        </p:txBody>
+      </p:sp>
+      <p:sp>
+        <p:nvSpPr>
+          <p:cNvPr id="3" name="Content Placeholder 2">
+            <a:extLst>
+              <a:ext uri="{FF2B5EF4-FFF2-40B4-BE49-F238E27FC236}">
+                <a16:creationId xmlns:a16="http://schemas.microsoft.com/office/drawing/2014/main" id="{F3FB1697-46C2-46FE-AFA1-A15F16852944}"/>
+              </a:ext>
+            </a:extLst>
+          </p:cNvPr>
+          <p:cNvSpPr>
+            <a:spLocks noGrp="1"/>
+          </p:cNvSpPr>
+          <p:nvPr>
+            <p:ph sz="half" idx="1"/>
+          </p:nvPr>
+        </p:nvSpPr>
+        <p:spPr/>
+        <p:txBody>
+          <a:bodyPr/>
+          <a:lstStyle/>
+          <a:p>
+            <a:r>
+              <a:rPr lang="pt-BR" dirty="0" err="1"/>
+              <a:t>git</a:t>
+            </a:r>
+            <a:r>
+              <a:rPr lang="pt-BR" dirty="0"/>
+              <a:t> </a:t>
+            </a:r>
+            <a:r>
+              <a:rPr lang="pt-BR" dirty="0" err="1"/>
+              <a:t>rm</a:t>
+            </a:r>
+            <a:r>
+              <a:rPr lang="pt-BR" dirty="0"/>
+              <a:t> &lt;arquivo(s)&gt;</a:t>
+            </a:r>
+          </a:p>
+          <a:p>
+            <a:endParaRPr lang="pt-BR" dirty="0"/>
+          </a:p>
+        </p:txBody>
+      </p:sp>
+      <p:sp>
+        <p:nvSpPr>
+          <p:cNvPr id="4" name="Content Placeholder 3">
+            <a:extLst>
+              <a:ext uri="{FF2B5EF4-FFF2-40B4-BE49-F238E27FC236}">
+                <a16:creationId xmlns:a16="http://schemas.microsoft.com/office/drawing/2014/main" id="{C6BCAE10-1C6B-49E8-BCAC-BBA604AE14AA}"/>
+              </a:ext>
+            </a:extLst>
+          </p:cNvPr>
+          <p:cNvSpPr>
+            <a:spLocks noGrp="1"/>
+          </p:cNvSpPr>
+          <p:nvPr>
+            <p:ph sz="half" idx="2"/>
+          </p:nvPr>
+        </p:nvSpPr>
+        <p:spPr/>
+        <p:txBody>
+          <a:bodyPr/>
+          <a:lstStyle/>
+          <a:p>
+            <a:r>
+              <a:rPr lang="pt-BR" dirty="0"/>
+              <a:t>remove um arquivo</a:t>
+            </a:r>
+          </a:p>
+        </p:txBody>
+      </p:sp>
+    </p:spTree>
+    <p:extLst>
+      <p:ext uri="{BB962C8B-B14F-4D97-AF65-F5344CB8AC3E}">
+        <p14:creationId xmlns:p14="http://schemas.microsoft.com/office/powerpoint/2010/main" val="3839450576"/>
+      </p:ext>
+    </p:extLst>
+  </p:cSld>
+  <p:clrMapOvr>
+    <a:masterClrMapping/>
+  </p:clrMapOvr>
+</p:sld>
+</file>
+
+<file path=ppt/slides/slide32.xml><?xml version="1.0" encoding="utf-8"?>
+<p:sld xmlns:a="http://schemas.openxmlformats.org/drawingml/2006/main" xmlns:r="http://schemas.openxmlformats.org/officeDocument/2006/relationships" xmlns:p="http://schemas.openxmlformats.org/presentationml/2006/main">
+  <p:cSld>
+    <p:spTree>
+      <p:nvGrpSpPr>
+        <p:cNvPr id="1" name=""/>
+        <p:cNvGrpSpPr/>
+        <p:nvPr/>
+      </p:nvGrpSpPr>
+      <p:grpSpPr>
+        <a:xfrm>
+          <a:off x="0" y="0"/>
+          <a:ext cx="0" cy="0"/>
+          <a:chOff x="0" y="0"/>
+          <a:chExt cx="0" cy="0"/>
+        </a:xfrm>
+      </p:grpSpPr>
+      <p:sp>
+        <p:nvSpPr>
+          <p:cNvPr id="2" name="Title 1">
+            <a:extLst>
+              <a:ext uri="{FF2B5EF4-FFF2-40B4-BE49-F238E27FC236}">
                 <a16:creationId xmlns:a16="http://schemas.microsoft.com/office/drawing/2014/main" id="{B48209F6-6445-4157-8CA4-FFC8110CB934}"/>
               </a:ext>
             </a:extLst>
@@ -9953,7 +10121,7 @@
 </p:sld>
 </file>
 
-<file path=ppt/slides/slide32.xml><?xml version="1.0" encoding="utf-8"?>
+<file path=ppt/slides/slide33.xml><?xml version="1.0" encoding="utf-8"?>
 <p:sld xmlns:a="http://schemas.openxmlformats.org/drawingml/2006/main" xmlns:r="http://schemas.openxmlformats.org/officeDocument/2006/relationships" xmlns:p="http://schemas.openxmlformats.org/presentationml/2006/main">
   <p:cSld>
     <p:spTree>
@@ -10387,7 +10555,7 @@
 </p:sld>
 </file>
 
-<file path=ppt/slides/slide33.xml><?xml version="1.0" encoding="utf-8"?>
+<file path=ppt/slides/slide34.xml><?xml version="1.0" encoding="utf-8"?>
 <p:sld xmlns:a="http://schemas.openxmlformats.org/drawingml/2006/main" xmlns:r="http://schemas.openxmlformats.org/officeDocument/2006/relationships" xmlns:p="http://schemas.openxmlformats.org/presentationml/2006/main">
   <p:cSld>
     <p:spTree>
@@ -10686,7 +10854,7 @@
 </p:sld>
 </file>
 
-<file path=ppt/slides/slide34.xml><?xml version="1.0" encoding="utf-8"?>
+<file path=ppt/slides/slide35.xml><?xml version="1.0" encoding="utf-8"?>
 <p:sld xmlns:a="http://schemas.openxmlformats.org/drawingml/2006/main" xmlns:r="http://schemas.openxmlformats.org/officeDocument/2006/relationships" xmlns:p="http://schemas.openxmlformats.org/presentationml/2006/main">
   <p:cSld>
     <p:spTree>
@@ -11198,7 +11366,7 @@
 </p:sld>
 </file>
 
-<file path=ppt/slides/slide35.xml><?xml version="1.0" encoding="utf-8"?>
+<file path=ppt/slides/slide36.xml><?xml version="1.0" encoding="utf-8"?>
 <p:sld xmlns:a="http://schemas.openxmlformats.org/drawingml/2006/main" xmlns:r="http://schemas.openxmlformats.org/officeDocument/2006/relationships" xmlns:p="http://schemas.openxmlformats.org/presentationml/2006/main">
   <p:cSld>
     <p:spTree>
@@ -11560,7 +11728,7 @@
 </p:sld>
 </file>
 
-<file path=ppt/slides/slide36.xml><?xml version="1.0" encoding="utf-8"?>
+<file path=ppt/slides/slide37.xml><?xml version="1.0" encoding="utf-8"?>
 <p:sld xmlns:a="http://schemas.openxmlformats.org/drawingml/2006/main" xmlns:r="http://schemas.openxmlformats.org/officeDocument/2006/relationships" xmlns:p="http://schemas.openxmlformats.org/presentationml/2006/main">
   <p:cSld>
     <p:spTree>
@@ -12025,255 +12193,6 @@
 </p:sld>
 </file>
 
-<file path=ppt/slides/slide37.xml><?xml version="1.0" encoding="utf-8"?>
-<p:sld xmlns:a="http://schemas.openxmlformats.org/drawingml/2006/main" xmlns:r="http://schemas.openxmlformats.org/officeDocument/2006/relationships" xmlns:p="http://schemas.openxmlformats.org/presentationml/2006/main">
-  <p:cSld>
-    <p:spTree>
-      <p:nvGrpSpPr>
-        <p:cNvPr id="1" name=""/>
-        <p:cNvGrpSpPr/>
-        <p:nvPr/>
-      </p:nvGrpSpPr>
-      <p:grpSpPr>
-        <a:xfrm>
-          <a:off x="0" y="0"/>
-          <a:ext cx="0" cy="0"/>
-          <a:chOff x="0" y="0"/>
-          <a:chExt cx="0" cy="0"/>
-        </a:xfrm>
-      </p:grpSpPr>
-      <p:sp>
-        <p:nvSpPr>
-          <p:cNvPr id="2" name="Title 1">
-            <a:extLst>
-              <a:ext uri="{FF2B5EF4-FFF2-40B4-BE49-F238E27FC236}">
-                <a16:creationId xmlns:a16="http://schemas.microsoft.com/office/drawing/2014/main" id="{6F09E20E-A14D-457A-B123-1F7CE6B71C30}"/>
-              </a:ext>
-            </a:extLst>
-          </p:cNvPr>
-          <p:cNvSpPr>
-            <a:spLocks noGrp="1"/>
-          </p:cNvSpPr>
-          <p:nvPr>
-            <p:ph type="title"/>
-          </p:nvPr>
-        </p:nvSpPr>
-        <p:spPr/>
-        <p:txBody>
-          <a:bodyPr>
-            <a:noAutofit/>
-          </a:bodyPr>
-          <a:lstStyle/>
-          <a:p>
-            <a:r>
-              <a:rPr lang="pt-BR" sz="2800" dirty="0"/>
-              <a:t>Release </a:t>
-            </a:r>
-            <a:r>
-              <a:rPr lang="pt-BR" sz="2800" dirty="0" err="1"/>
-              <a:t>Tag</a:t>
-            </a:r>
-            <a:r>
-              <a:rPr lang="pt-BR" sz="2800" dirty="0"/>
-              <a:t> ou Release </a:t>
-            </a:r>
-            <a:r>
-              <a:rPr lang="pt-BR" sz="2800" dirty="0" err="1"/>
-              <a:t>Branch</a:t>
-            </a:r>
-            <a:br>
-              <a:rPr lang="pt-BR" sz="2800" dirty="0"/>
-            </a:br>
-            <a:r>
-              <a:rPr lang="pt-BR" sz="2800" dirty="0">
-                <a:hlinkClick r:id="rId2"/>
-              </a:rPr>
-              <a:t>https://www.visualstudio.com/en-us/articles/git-branching-guidance</a:t>
-            </a:r>
-            <a:endParaRPr lang="pt-BR" sz="2800" dirty="0"/>
-          </a:p>
-        </p:txBody>
-      </p:sp>
-      <p:sp>
-        <p:nvSpPr>
-          <p:cNvPr id="3" name="Text Placeholder 2">
-            <a:extLst>
-              <a:ext uri="{FF2B5EF4-FFF2-40B4-BE49-F238E27FC236}">
-                <a16:creationId xmlns:a16="http://schemas.microsoft.com/office/drawing/2014/main" id="{BB712FCB-3427-428B-8A78-F73F130C0ABC}"/>
-              </a:ext>
-            </a:extLst>
-          </p:cNvPr>
-          <p:cNvSpPr>
-            <a:spLocks noGrp="1"/>
-          </p:cNvSpPr>
-          <p:nvPr>
-            <p:ph type="body" idx="1"/>
-          </p:nvPr>
-        </p:nvSpPr>
-        <p:spPr/>
-        <p:txBody>
-          <a:bodyPr/>
-          <a:lstStyle/>
-          <a:p>
-            <a:r>
-              <a:rPr lang="pt-BR" dirty="0"/>
-              <a:t>Release </a:t>
-            </a:r>
-            <a:r>
-              <a:rPr lang="pt-BR" dirty="0" err="1"/>
-              <a:t>tag</a:t>
-            </a:r>
-            <a:endParaRPr lang="pt-BR" dirty="0"/>
-          </a:p>
-        </p:txBody>
-      </p:sp>
-      <p:sp>
-        <p:nvSpPr>
-          <p:cNvPr id="4" name="Content Placeholder 3">
-            <a:extLst>
-              <a:ext uri="{FF2B5EF4-FFF2-40B4-BE49-F238E27FC236}">
-                <a16:creationId xmlns:a16="http://schemas.microsoft.com/office/drawing/2014/main" id="{07038133-75CC-4062-9741-7BBE90D20F8A}"/>
-              </a:ext>
-            </a:extLst>
-          </p:cNvPr>
-          <p:cNvSpPr>
-            <a:spLocks noGrp="1"/>
-          </p:cNvSpPr>
-          <p:nvPr>
-            <p:ph sz="half" idx="2"/>
-          </p:nvPr>
-        </p:nvSpPr>
-        <p:spPr>
-          <a:xfrm>
-            <a:off x="1097280" y="2582334"/>
-            <a:ext cx="4937760" cy="3378200"/>
-          </a:xfrm>
-        </p:spPr>
-        <p:txBody>
-          <a:bodyPr/>
-          <a:lstStyle/>
-          <a:p>
-            <a:r>
-              <a:rPr lang="pt-BR" dirty="0" err="1"/>
-              <a:t>git</a:t>
-            </a:r>
-            <a:r>
-              <a:rPr lang="pt-BR" dirty="0"/>
-              <a:t> </a:t>
-            </a:r>
-            <a:r>
-              <a:rPr lang="pt-BR" dirty="0" err="1"/>
-              <a:t>tag</a:t>
-            </a:r>
-            <a:r>
-              <a:rPr lang="pt-BR" dirty="0"/>
-              <a:t> -a 1.1.2</a:t>
-            </a:r>
-          </a:p>
-        </p:txBody>
-      </p:sp>
-      <p:sp>
-        <p:nvSpPr>
-          <p:cNvPr id="5" name="Text Placeholder 4">
-            <a:extLst>
-              <a:ext uri="{FF2B5EF4-FFF2-40B4-BE49-F238E27FC236}">
-                <a16:creationId xmlns:a16="http://schemas.microsoft.com/office/drawing/2014/main" id="{9EC8B94A-58F4-4821-99BE-065D4AC9403B}"/>
-              </a:ext>
-            </a:extLst>
-          </p:cNvPr>
-          <p:cNvSpPr>
-            <a:spLocks noGrp="1"/>
-          </p:cNvSpPr>
-          <p:nvPr>
-            <p:ph type="body" sz="quarter" idx="3"/>
-          </p:nvPr>
-        </p:nvSpPr>
-        <p:spPr/>
-        <p:txBody>
-          <a:bodyPr/>
-          <a:lstStyle/>
-          <a:p>
-            <a:r>
-              <a:rPr lang="pt-BR" dirty="0"/>
-              <a:t>Release </a:t>
-            </a:r>
-            <a:r>
-              <a:rPr lang="pt-BR" dirty="0" err="1"/>
-              <a:t>branch</a:t>
-            </a:r>
-            <a:r>
-              <a:rPr lang="pt-BR" dirty="0"/>
-              <a:t> + </a:t>
-            </a:r>
-            <a:r>
-              <a:rPr lang="pt-BR" dirty="0" err="1"/>
-              <a:t>bugfix</a:t>
-            </a:r>
-            <a:r>
-              <a:rPr lang="pt-BR" dirty="0"/>
-              <a:t> + </a:t>
-            </a:r>
-            <a:r>
-              <a:rPr lang="pt-BR" dirty="0" err="1"/>
-              <a:t>hotfix</a:t>
-            </a:r>
-            <a:endParaRPr lang="pt-BR" dirty="0"/>
-          </a:p>
-        </p:txBody>
-      </p:sp>
-      <p:sp>
-        <p:nvSpPr>
-          <p:cNvPr id="6" name="Content Placeholder 5">
-            <a:extLst>
-              <a:ext uri="{FF2B5EF4-FFF2-40B4-BE49-F238E27FC236}">
-                <a16:creationId xmlns:a16="http://schemas.microsoft.com/office/drawing/2014/main" id="{7B656EE4-63B1-484D-B605-48872FA01AA7}"/>
-              </a:ext>
-            </a:extLst>
-          </p:cNvPr>
-          <p:cNvSpPr>
-            <a:spLocks noGrp="1"/>
-          </p:cNvSpPr>
-          <p:nvPr>
-            <p:ph sz="quarter" idx="4"/>
-          </p:nvPr>
-        </p:nvSpPr>
-        <p:spPr/>
-        <p:txBody>
-          <a:bodyPr/>
-          <a:lstStyle/>
-          <a:p>
-            <a:r>
-              <a:rPr lang="pt-BR" dirty="0" err="1"/>
-              <a:t>git</a:t>
-            </a:r>
-            <a:r>
-              <a:rPr lang="pt-BR" dirty="0"/>
-              <a:t> checkout -b release-1.1.2 </a:t>
-            </a:r>
-            <a:r>
-              <a:rPr lang="pt-BR" dirty="0" err="1"/>
-              <a:t>master</a:t>
-            </a:r>
-            <a:endParaRPr lang="pt-BR" dirty="0"/>
-          </a:p>
-          <a:p>
-            <a:endParaRPr lang="pt-BR" dirty="0"/>
-          </a:p>
-        </p:txBody>
-      </p:sp>
-    </p:spTree>
-    <p:extLst>
-      <p:ext uri="{BB962C8B-B14F-4D97-AF65-F5344CB8AC3E}">
-        <p14:creationId xmlns:p14="http://schemas.microsoft.com/office/powerpoint/2010/main" val="1846685187"/>
-      </p:ext>
-    </p:extLst>
-  </p:cSld>
-  <p:clrMapOvr>
-    <a:masterClrMapping/>
-  </p:clrMapOvr>
-</p:sld>
-</file>
-
 <file path=ppt/slides/slide38.xml><?xml version="1.0" encoding="utf-8"?>
 <p:sld xmlns:a="http://schemas.openxmlformats.org/drawingml/2006/main" xmlns:r="http://schemas.openxmlformats.org/officeDocument/2006/relationships" xmlns:p="http://schemas.openxmlformats.org/presentationml/2006/main">
   <p:cSld>
@@ -12296,7 +12215,7 @@
           <p:cNvPr id="2" name="Title 1">
             <a:extLst>
               <a:ext uri="{FF2B5EF4-FFF2-40B4-BE49-F238E27FC236}">
-                <a16:creationId xmlns:a16="http://schemas.microsoft.com/office/drawing/2014/main" id="{4D539B64-E38E-4C24-8A87-5F4D1FD627DF}"/>
+                <a16:creationId xmlns:a16="http://schemas.microsoft.com/office/drawing/2014/main" id="{6F09E20E-A14D-457A-B123-1F7CE6B71C30}"/>
               </a:ext>
             </a:extLst>
           </p:cNvPr>
@@ -12310,37 +12229,45 @@
         <p:spPr/>
         <p:txBody>
           <a:bodyPr>
-            <a:normAutofit fontScale="90000"/>
+            <a:noAutofit/>
           </a:bodyPr>
           <a:lstStyle/>
           <a:p>
             <a:r>
-              <a:rPr lang="pt-BR" dirty="0"/>
-              <a:t>Estratégias de </a:t>
-            </a:r>
-            <a:r>
-              <a:rPr lang="pt-BR" dirty="0" err="1"/>
-              <a:t>Branching</a:t>
+              <a:rPr lang="pt-BR" sz="2800" dirty="0"/>
+              <a:t>Release </a:t>
+            </a:r>
+            <a:r>
+              <a:rPr lang="pt-BR" sz="2800" dirty="0" err="1"/>
+              <a:t>Tag</a:t>
+            </a:r>
+            <a:r>
+              <a:rPr lang="pt-BR" sz="2800" dirty="0"/>
+              <a:t> ou Release </a:t>
+            </a:r>
+            <a:r>
+              <a:rPr lang="pt-BR" sz="2800" dirty="0" err="1"/>
+              <a:t>Branch</a:t>
             </a:r>
             <a:br>
-              <a:rPr lang="pt-BR" dirty="0"/>
+              <a:rPr lang="pt-BR" sz="2800" dirty="0"/>
             </a:br>
             <a:r>
-              <a:rPr lang="pt-BR" dirty="0">
+              <a:rPr lang="pt-BR" sz="2800" dirty="0">
                 <a:hlinkClick r:id="rId2"/>
               </a:rPr>
-              <a:t>https://www.atlassian.com/agile/branching</a:t>
-            </a:r>
-            <a:endParaRPr lang="pt-BR" dirty="0"/>
+              <a:t>https://www.visualstudio.com/en-us/articles/git-branching-guidance</a:t>
+            </a:r>
+            <a:endParaRPr lang="pt-BR" sz="2800" dirty="0"/>
           </a:p>
         </p:txBody>
       </p:sp>
       <p:sp>
         <p:nvSpPr>
-          <p:cNvPr id="3" name="Content Placeholder 2">
+          <p:cNvPr id="3" name="Text Placeholder 2">
             <a:extLst>
               <a:ext uri="{FF2B5EF4-FFF2-40B4-BE49-F238E27FC236}">
-                <a16:creationId xmlns:a16="http://schemas.microsoft.com/office/drawing/2014/main" id="{BADEEDF6-9796-4630-893A-506C6A9349DE}"/>
+                <a16:creationId xmlns:a16="http://schemas.microsoft.com/office/drawing/2014/main" id="{BB712FCB-3427-428B-8A78-F73F130C0ABC}"/>
               </a:ext>
             </a:extLst>
           </p:cNvPr>
@@ -12348,7 +12275,7 @@
             <a:spLocks noGrp="1"/>
           </p:cNvSpPr>
           <p:nvPr>
-            <p:ph idx="1"/>
+            <p:ph type="body" idx="1"/>
           </p:nvPr>
         </p:nvSpPr>
         <p:spPr/>
@@ -12362,17 +12289,41 @@
             </a:r>
             <a:r>
               <a:rPr lang="pt-BR" dirty="0" err="1"/>
-              <a:t>branching</a:t>
+              <a:t>tag</a:t>
             </a:r>
             <a:endParaRPr lang="pt-BR" dirty="0"/>
           </a:p>
-          <a:p>
-            <a:endParaRPr lang="pt-BR" dirty="0"/>
-          </a:p>
+        </p:txBody>
+      </p:sp>
+      <p:sp>
+        <p:nvSpPr>
+          <p:cNvPr id="4" name="Content Placeholder 3">
+            <a:extLst>
+              <a:ext uri="{FF2B5EF4-FFF2-40B4-BE49-F238E27FC236}">
+                <a16:creationId xmlns:a16="http://schemas.microsoft.com/office/drawing/2014/main" id="{07038133-75CC-4062-9741-7BBE90D20F8A}"/>
+              </a:ext>
+            </a:extLst>
+          </p:cNvPr>
+          <p:cNvSpPr>
+            <a:spLocks noGrp="1"/>
+          </p:cNvSpPr>
+          <p:nvPr>
+            <p:ph sz="half" idx="2"/>
+          </p:nvPr>
+        </p:nvSpPr>
+        <p:spPr>
+          <a:xfrm>
+            <a:off x="1097280" y="2582334"/>
+            <a:ext cx="4937760" cy="3378200"/>
+          </a:xfrm>
+        </p:spPr>
+        <p:txBody>
+          <a:bodyPr/>
+          <a:lstStyle/>
           <a:p>
             <a:r>
               <a:rPr lang="pt-BR" dirty="0" err="1"/>
-              <a:t>Feature</a:t>
+              <a:t>git</a:t>
             </a:r>
             <a:r>
               <a:rPr lang="pt-BR" dirty="0"/>
@@ -12380,70 +12331,98 @@
             </a:r>
             <a:r>
               <a:rPr lang="pt-BR" dirty="0" err="1"/>
-              <a:t>branching</a:t>
+              <a:t>tag</a:t>
+            </a:r>
+            <a:r>
+              <a:rPr lang="pt-BR" dirty="0"/>
+              <a:t> -a 1.1.2</a:t>
+            </a:r>
+          </a:p>
+        </p:txBody>
+      </p:sp>
+      <p:sp>
+        <p:nvSpPr>
+          <p:cNvPr id="5" name="Text Placeholder 4">
+            <a:extLst>
+              <a:ext uri="{FF2B5EF4-FFF2-40B4-BE49-F238E27FC236}">
+                <a16:creationId xmlns:a16="http://schemas.microsoft.com/office/drawing/2014/main" id="{9EC8B94A-58F4-4821-99BE-065D4AC9403B}"/>
+              </a:ext>
+            </a:extLst>
+          </p:cNvPr>
+          <p:cNvSpPr>
+            <a:spLocks noGrp="1"/>
+          </p:cNvSpPr>
+          <p:nvPr>
+            <p:ph type="body" sz="quarter" idx="3"/>
+          </p:nvPr>
+        </p:nvSpPr>
+        <p:spPr/>
+        <p:txBody>
+          <a:bodyPr/>
+          <a:lstStyle/>
+          <a:p>
+            <a:r>
+              <a:rPr lang="pt-BR" dirty="0"/>
+              <a:t>Release </a:t>
+            </a:r>
+            <a:r>
+              <a:rPr lang="pt-BR" dirty="0" err="1"/>
+              <a:t>branch</a:t>
+            </a:r>
+            <a:r>
+              <a:rPr lang="pt-BR" dirty="0"/>
+              <a:t> + </a:t>
+            </a:r>
+            <a:r>
+              <a:rPr lang="pt-BR" dirty="0" err="1"/>
+              <a:t>bugfix</a:t>
+            </a:r>
+            <a:r>
+              <a:rPr lang="pt-BR" dirty="0"/>
+              <a:t> + </a:t>
+            </a:r>
+            <a:r>
+              <a:rPr lang="pt-BR" dirty="0" err="1"/>
+              <a:t>hotfix</a:t>
             </a:r>
             <a:endParaRPr lang="pt-BR" dirty="0"/>
           </a:p>
-          <a:p>
+        </p:txBody>
+      </p:sp>
+      <p:sp>
+        <p:nvSpPr>
+          <p:cNvPr id="6" name="Content Placeholder 5">
+            <a:extLst>
+              <a:ext uri="{FF2B5EF4-FFF2-40B4-BE49-F238E27FC236}">
+                <a16:creationId xmlns:a16="http://schemas.microsoft.com/office/drawing/2014/main" id="{7B656EE4-63B1-484D-B605-48872FA01AA7}"/>
+              </a:ext>
+            </a:extLst>
+          </p:cNvPr>
+          <p:cNvSpPr>
+            <a:spLocks noGrp="1"/>
+          </p:cNvSpPr>
+          <p:nvPr>
+            <p:ph sz="quarter" idx="4"/>
+          </p:nvPr>
+        </p:nvSpPr>
+        <p:spPr/>
+        <p:txBody>
+          <a:bodyPr/>
+          <a:lstStyle/>
+          <a:p>
+            <a:r>
+              <a:rPr lang="pt-BR" dirty="0" err="1"/>
+              <a:t>git</a:t>
+            </a:r>
+            <a:r>
+              <a:rPr lang="pt-BR" dirty="0"/>
+              <a:t> checkout -b release-1.1.2 </a:t>
+            </a:r>
+            <a:r>
+              <a:rPr lang="pt-BR" dirty="0" err="1"/>
+              <a:t>master</a:t>
+            </a:r>
             <a:endParaRPr lang="pt-BR" dirty="0"/>
-          </a:p>
-          <a:p>
-            <a:r>
-              <a:rPr lang="pt-BR" dirty="0" err="1"/>
-              <a:t>Task</a:t>
-            </a:r>
-            <a:r>
-              <a:rPr lang="pt-BR" dirty="0"/>
-              <a:t> </a:t>
-            </a:r>
-            <a:r>
-              <a:rPr lang="pt-BR" dirty="0" err="1"/>
-              <a:t>branching</a:t>
-            </a:r>
-            <a:r>
-              <a:rPr lang="pt-BR" dirty="0"/>
-              <a:t> (</a:t>
-            </a:r>
-            <a:r>
-              <a:rPr lang="pt-BR" dirty="0" err="1"/>
-              <a:t>Issue</a:t>
-            </a:r>
-            <a:r>
-              <a:rPr lang="pt-BR" dirty="0"/>
-              <a:t> </a:t>
-            </a:r>
-            <a:r>
-              <a:rPr lang="pt-BR" dirty="0" err="1"/>
-              <a:t>branching</a:t>
-            </a:r>
-            <a:r>
-              <a:rPr lang="pt-BR" dirty="0"/>
-              <a:t> </a:t>
-            </a:r>
-            <a:r>
-              <a:rPr lang="pt-BR" dirty="0" err="1"/>
-              <a:t>by</a:t>
-            </a:r>
-            <a:r>
-              <a:rPr lang="pt-BR" dirty="0"/>
-              <a:t> </a:t>
-            </a:r>
-            <a:r>
-              <a:rPr lang="pt-BR" dirty="0" err="1"/>
-              <a:t>Atlassian</a:t>
-            </a:r>
-            <a:r>
-              <a:rPr lang="pt-BR" dirty="0"/>
-              <a:t> </a:t>
-            </a:r>
-            <a:r>
-              <a:rPr lang="pt-BR" dirty="0" err="1"/>
-              <a:t>Jira</a:t>
-            </a:r>
-            <a:r>
-              <a:rPr lang="pt-BR" dirty="0"/>
-              <a:t>)</a:t>
-            </a:r>
           </a:p>
           <a:p>
             <a:endParaRPr lang="pt-BR" dirty="0"/>
@@ -12453,7 +12432,7 @@
     </p:spTree>
     <p:extLst>
       <p:ext uri="{BB962C8B-B14F-4D97-AF65-F5344CB8AC3E}">
-        <p14:creationId xmlns:p14="http://schemas.microsoft.com/office/powerpoint/2010/main" val="2332921907"/>
+        <p14:creationId xmlns:p14="http://schemas.microsoft.com/office/powerpoint/2010/main" val="1846685187"/>
       </p:ext>
     </p:extLst>
   </p:cSld>
@@ -12485,7 +12464,7 @@
           <p:cNvPr id="2" name="Title 1">
             <a:extLst>
               <a:ext uri="{FF2B5EF4-FFF2-40B4-BE49-F238E27FC236}">
-                <a16:creationId xmlns:a16="http://schemas.microsoft.com/office/drawing/2014/main" id="{8BFD7E6B-5F16-468C-8C1A-778B758E3B3D}"/>
+                <a16:creationId xmlns:a16="http://schemas.microsoft.com/office/drawing/2014/main" id="{4D539B64-E38E-4C24-8A87-5F4D1FD627DF}"/>
               </a:ext>
             </a:extLst>
           </p:cNvPr>
@@ -12499,46 +12478,37 @@
         <p:spPr/>
         <p:txBody>
           <a:bodyPr>
-            <a:noAutofit/>
+            <a:normAutofit fontScale="90000"/>
           </a:bodyPr>
           <a:lstStyle/>
           <a:p>
             <a:r>
-              <a:rPr lang="pt-BR" sz="2800" dirty="0"/>
-              <a:t>GIT GUI </a:t>
-            </a:r>
-            <a:r>
-              <a:rPr lang="pt-BR" sz="2800" dirty="0" err="1"/>
-              <a:t>Clients</a:t>
+              <a:rPr lang="pt-BR" dirty="0"/>
+              <a:t>Estratégias de </a:t>
+            </a:r>
+            <a:r>
+              <a:rPr lang="pt-BR" dirty="0" err="1"/>
+              <a:t>Branching</a:t>
             </a:r>
             <a:br>
-              <a:rPr lang="pt-BR" sz="2800" dirty="0"/>
+              <a:rPr lang="pt-BR" dirty="0"/>
             </a:br>
             <a:r>
-              <a:rPr lang="pt-BR" sz="2800" dirty="0">
+              <a:rPr lang="pt-BR" dirty="0">
                 <a:hlinkClick r:id="rId2"/>
               </a:rPr>
-              <a:t>https://git-scm.com/downloads/guis</a:t>
-            </a:r>
-            <a:br>
-              <a:rPr lang="pt-BR" sz="2800" dirty="0"/>
-            </a:br>
-            <a:r>
-              <a:rPr lang="pt-BR" sz="2800" dirty="0">
-                <a:hlinkClick r:id="rId3"/>
-              </a:rPr>
-              <a:t>https://git.wiki.kernel.org/index.php/InterfacesFrontendsAndTools</a:t>
-            </a:r>
-            <a:endParaRPr lang="pt-BR" sz="2800" dirty="0"/>
+              <a:t>https://www.atlassian.com/agile/branching</a:t>
+            </a:r>
+            <a:endParaRPr lang="pt-BR" dirty="0"/>
           </a:p>
         </p:txBody>
       </p:sp>
       <p:sp>
         <p:nvSpPr>
-          <p:cNvPr id="4" name="Text Placeholder 3">
+          <p:cNvPr id="3" name="Content Placeholder 2">
             <a:extLst>
               <a:ext uri="{FF2B5EF4-FFF2-40B4-BE49-F238E27FC236}">
-                <a16:creationId xmlns:a16="http://schemas.microsoft.com/office/drawing/2014/main" id="{F6A88966-6941-495D-9326-C0DD40953A25}"/>
+                <a16:creationId xmlns:a16="http://schemas.microsoft.com/office/drawing/2014/main" id="{BADEEDF6-9796-4630-893A-506C6A9349DE}"/>
               </a:ext>
             </a:extLst>
           </p:cNvPr>
@@ -12546,7 +12516,7 @@
             <a:spLocks noGrp="1"/>
           </p:cNvSpPr>
           <p:nvPr>
-            <p:ph type="body" idx="1"/>
+            <p:ph idx="1"/>
           </p:nvPr>
         </p:nvSpPr>
         <p:spPr/>
@@ -12555,96 +12525,22 @@
           <a:lstStyle/>
           <a:p>
             <a:r>
+              <a:rPr lang="pt-BR" dirty="0"/>
+              <a:t>Release </a:t>
+            </a:r>
+            <a:r>
               <a:rPr lang="pt-BR" dirty="0" err="1"/>
-              <a:t>Free</a:t>
+              <a:t>branching</a:t>
             </a:r>
             <a:endParaRPr lang="pt-BR" dirty="0"/>
           </a:p>
-        </p:txBody>
-      </p:sp>
-      <p:sp>
-        <p:nvSpPr>
-          <p:cNvPr id="3" name="Content Placeholder 2">
-            <a:extLst>
-              <a:ext uri="{FF2B5EF4-FFF2-40B4-BE49-F238E27FC236}">
-                <a16:creationId xmlns:a16="http://schemas.microsoft.com/office/drawing/2014/main" id="{D690BB89-3D60-4709-AB14-C87FE7579539}"/>
-              </a:ext>
-            </a:extLst>
-          </p:cNvPr>
-          <p:cNvSpPr>
-            <a:spLocks noGrp="1"/>
-          </p:cNvSpPr>
-          <p:nvPr>
-            <p:ph sz="half" idx="2"/>
-          </p:nvPr>
-        </p:nvSpPr>
-        <p:spPr>
-          <a:xfrm>
-            <a:off x="1097280" y="2582334"/>
-            <a:ext cx="4937760" cy="3378200"/>
-          </a:xfrm>
-        </p:spPr>
-        <p:txBody>
-          <a:bodyPr>
-            <a:normAutofit/>
-          </a:bodyPr>
-          <a:lstStyle/>
+          <a:p>
+            <a:endParaRPr lang="pt-BR" dirty="0"/>
+          </a:p>
           <a:p>
             <a:r>
               <a:rPr lang="pt-BR" dirty="0" err="1"/>
-              <a:t>Git-gui</a:t>
-            </a:r>
-            <a:r>
-              <a:rPr lang="pt-BR" dirty="0"/>
-              <a:t>, </a:t>
-            </a:r>
-            <a:r>
-              <a:rPr lang="pt-BR" dirty="0" err="1"/>
-              <a:t>Gitk</a:t>
-            </a:r>
-            <a:endParaRPr lang="pt-BR" dirty="0"/>
-          </a:p>
-          <a:p>
-            <a:r>
-              <a:rPr lang="pt-BR" dirty="0"/>
-              <a:t>GitHub Desktop</a:t>
-            </a:r>
-          </a:p>
-          <a:p>
-            <a:r>
-              <a:rPr lang="pt-BR" dirty="0" err="1"/>
-              <a:t>SourceTree</a:t>
-            </a:r>
-            <a:r>
-              <a:rPr lang="pt-BR" dirty="0"/>
-              <a:t>, </a:t>
-            </a:r>
-            <a:r>
-              <a:rPr lang="pt-BR" dirty="0" err="1"/>
-              <a:t>TortoiseGit</a:t>
-            </a:r>
-            <a:r>
-              <a:rPr lang="pt-BR" dirty="0"/>
-              <a:t>, </a:t>
-            </a:r>
-            <a:r>
-              <a:rPr lang="pt-BR" dirty="0" err="1"/>
-              <a:t>GitKraken</a:t>
-            </a:r>
-            <a:r>
-              <a:rPr lang="pt-BR" dirty="0"/>
-              <a:t>, </a:t>
-            </a:r>
-            <a:r>
-              <a:rPr lang="pt-BR" dirty="0" err="1"/>
-              <a:t>GitUp</a:t>
-            </a:r>
-            <a:endParaRPr lang="pt-BR" dirty="0"/>
-          </a:p>
-          <a:p>
-            <a:r>
-              <a:rPr lang="pt-BR" dirty="0" err="1"/>
-              <a:t>Git</a:t>
+              <a:t>Feature</a:t>
             </a:r>
             <a:r>
               <a:rPr lang="pt-BR" dirty="0"/>
@@ -12652,41 +12548,17 @@
             </a:r>
             <a:r>
               <a:rPr lang="pt-BR" dirty="0" err="1"/>
-              <a:t>Extensions</a:t>
-            </a:r>
-            <a:r>
-              <a:rPr lang="pt-BR" dirty="0"/>
-              <a:t>, </a:t>
-            </a:r>
+              <a:t>branching</a:t>
+            </a:r>
+            <a:endParaRPr lang="pt-BR" dirty="0"/>
+          </a:p>
+          <a:p>
+            <a:endParaRPr lang="pt-BR" dirty="0"/>
+          </a:p>
+          <a:p>
             <a:r>
               <a:rPr lang="pt-BR" dirty="0" err="1"/>
-              <a:t>Gitg</a:t>
-            </a:r>
-            <a:r>
-              <a:rPr lang="pt-BR" dirty="0"/>
-              <a:t>, </a:t>
-            </a:r>
-            <a:r>
-              <a:rPr lang="pt-BR" dirty="0" err="1"/>
-              <a:t>GitX-dev</a:t>
-            </a:r>
-            <a:r>
-              <a:rPr lang="pt-BR" dirty="0"/>
-              <a:t>, </a:t>
-            </a:r>
-            <a:r>
-              <a:rPr lang="pt-BR" dirty="0" err="1"/>
-              <a:t>Git</a:t>
-            </a:r>
-            <a:r>
-              <a:rPr lang="pt-BR" dirty="0"/>
-              <a:t>-cola</a:t>
-            </a:r>
-          </a:p>
-          <a:p>
-            <a:r>
-              <a:rPr lang="pt-BR" dirty="0" err="1"/>
-              <a:t>Cycligent</a:t>
+              <a:t>Task</a:t>
             </a:r>
             <a:r>
               <a:rPr lang="pt-BR" dirty="0"/>
@@ -12694,121 +12566,52 @@
             </a:r>
             <a:r>
               <a:rPr lang="pt-BR" dirty="0" err="1"/>
-              <a:t>Git</a:t>
+              <a:t>branching</a:t>
             </a:r>
             <a:r>
               <a:rPr lang="pt-BR" dirty="0"/>
-              <a:t> Tool, </a:t>
+              <a:t> (</a:t>
             </a:r>
             <a:r>
               <a:rPr lang="pt-BR" dirty="0" err="1"/>
-              <a:t>GitEye</a:t>
+              <a:t>Issue</a:t>
             </a:r>
             <a:r>
               <a:rPr lang="pt-BR" dirty="0"/>
-              <a:t>, </a:t>
+              <a:t> </a:t>
             </a:r>
             <a:r>
               <a:rPr lang="pt-BR" dirty="0" err="1"/>
-              <a:t>Fork</a:t>
+              <a:t>branching</a:t>
             </a:r>
             <a:r>
               <a:rPr lang="pt-BR" dirty="0"/>
-              <a:t>, </a:t>
+              <a:t> </a:t>
             </a:r>
             <a:r>
               <a:rPr lang="pt-BR" dirty="0" err="1"/>
-              <a:t>Giggle</a:t>
-            </a:r>
-            <a:endParaRPr lang="pt-BR" dirty="0"/>
-          </a:p>
-          <a:p>
-            <a:endParaRPr lang="pt-BR" dirty="0"/>
-          </a:p>
-        </p:txBody>
-      </p:sp>
-      <p:sp>
-        <p:nvSpPr>
-          <p:cNvPr id="5" name="Text Placeholder 4">
-            <a:extLst>
-              <a:ext uri="{FF2B5EF4-FFF2-40B4-BE49-F238E27FC236}">
-                <a16:creationId xmlns:a16="http://schemas.microsoft.com/office/drawing/2014/main" id="{F264CC16-792F-44B5-A960-561E30DCDBB5}"/>
-              </a:ext>
-            </a:extLst>
-          </p:cNvPr>
-          <p:cNvSpPr>
-            <a:spLocks noGrp="1"/>
-          </p:cNvSpPr>
-          <p:nvPr>
-            <p:ph type="body" sz="quarter" idx="3"/>
-          </p:nvPr>
-        </p:nvSpPr>
-        <p:spPr/>
-        <p:txBody>
-          <a:bodyPr/>
-          <a:lstStyle/>
-          <a:p>
+              <a:t>by</a:t>
+            </a:r>
+            <a:r>
+              <a:rPr lang="pt-BR" dirty="0"/>
+              <a:t> </a:t>
+            </a:r>
             <a:r>
               <a:rPr lang="pt-BR" dirty="0" err="1"/>
-              <a:t>paid</a:t>
-            </a:r>
-            <a:endParaRPr lang="pt-BR" dirty="0"/>
-          </a:p>
-        </p:txBody>
-      </p:sp>
-      <p:sp>
-        <p:nvSpPr>
-          <p:cNvPr id="6" name="Content Placeholder 5">
-            <a:extLst>
-              <a:ext uri="{FF2B5EF4-FFF2-40B4-BE49-F238E27FC236}">
-                <a16:creationId xmlns:a16="http://schemas.microsoft.com/office/drawing/2014/main" id="{0C2E115E-7E77-4DE3-90FE-781AA22A64AE}"/>
-              </a:ext>
-            </a:extLst>
-          </p:cNvPr>
-          <p:cNvSpPr>
-            <a:spLocks noGrp="1"/>
-          </p:cNvSpPr>
-          <p:nvPr>
-            <p:ph sz="quarter" idx="4"/>
-          </p:nvPr>
-        </p:nvSpPr>
-        <p:spPr/>
-        <p:txBody>
-          <a:bodyPr/>
-          <a:lstStyle/>
-          <a:p>
+              <a:t>Atlassian</a:t>
+            </a:r>
+            <a:r>
+              <a:rPr lang="pt-BR" dirty="0"/>
+              <a:t> </a:t>
+            </a:r>
             <a:r>
               <a:rPr lang="pt-BR" dirty="0" err="1"/>
-              <a:t>SmartGit</a:t>
-            </a:r>
-            <a:endParaRPr lang="pt-BR" dirty="0"/>
-          </a:p>
-          <a:p>
+              <a:t>Jira</a:t>
+            </a:r>
             <a:r>
               <a:rPr lang="pt-BR" dirty="0"/>
-              <a:t>Tower</a:t>
-            </a:r>
-          </a:p>
-          <a:p>
-            <a:r>
-              <a:rPr lang="pt-BR" dirty="0" err="1"/>
-              <a:t>Aurees</a:t>
-            </a:r>
-            <a:endParaRPr lang="pt-BR" dirty="0"/>
-          </a:p>
-          <a:p>
-            <a:r>
-              <a:rPr lang="pt-BR" dirty="0" err="1"/>
-              <a:t>Gitbox</a:t>
-            </a:r>
-            <a:endParaRPr lang="pt-BR" dirty="0"/>
-          </a:p>
-          <a:p>
-            <a:r>
-              <a:rPr lang="pt-BR" dirty="0" err="1"/>
-              <a:t>GitAahead</a:t>
-            </a:r>
-            <a:endParaRPr lang="pt-BR" dirty="0"/>
+              <a:t>)</a:t>
+            </a:r>
           </a:p>
           <a:p>
             <a:endParaRPr lang="pt-BR" dirty="0"/>
@@ -12818,7 +12621,7 @@
     </p:spTree>
     <p:extLst>
       <p:ext uri="{BB962C8B-B14F-4D97-AF65-F5344CB8AC3E}">
-        <p14:creationId xmlns:p14="http://schemas.microsoft.com/office/powerpoint/2010/main" val="3905899298"/>
+        <p14:creationId xmlns:p14="http://schemas.microsoft.com/office/powerpoint/2010/main" val="2332921907"/>
       </p:ext>
     </p:extLst>
   </p:cSld>
@@ -12916,6 +12719,371 @@
           <p:cNvPr id="2" name="Title 1">
             <a:extLst>
               <a:ext uri="{FF2B5EF4-FFF2-40B4-BE49-F238E27FC236}">
+                <a16:creationId xmlns:a16="http://schemas.microsoft.com/office/drawing/2014/main" id="{8BFD7E6B-5F16-468C-8C1A-778B758E3B3D}"/>
+              </a:ext>
+            </a:extLst>
+          </p:cNvPr>
+          <p:cNvSpPr>
+            <a:spLocks noGrp="1"/>
+          </p:cNvSpPr>
+          <p:nvPr>
+            <p:ph type="title"/>
+          </p:nvPr>
+        </p:nvSpPr>
+        <p:spPr/>
+        <p:txBody>
+          <a:bodyPr>
+            <a:noAutofit/>
+          </a:bodyPr>
+          <a:lstStyle/>
+          <a:p>
+            <a:r>
+              <a:rPr lang="pt-BR" sz="2800" dirty="0"/>
+              <a:t>GIT GUI </a:t>
+            </a:r>
+            <a:r>
+              <a:rPr lang="pt-BR" sz="2800" dirty="0" err="1"/>
+              <a:t>Clients</a:t>
+            </a:r>
+            <a:br>
+              <a:rPr lang="pt-BR" sz="2800" dirty="0"/>
+            </a:br>
+            <a:r>
+              <a:rPr lang="pt-BR" sz="2800" dirty="0">
+                <a:hlinkClick r:id="rId2"/>
+              </a:rPr>
+              <a:t>https://git-scm.com/downloads/guis</a:t>
+            </a:r>
+            <a:br>
+              <a:rPr lang="pt-BR" sz="2800" dirty="0"/>
+            </a:br>
+            <a:r>
+              <a:rPr lang="pt-BR" sz="2800" dirty="0">
+                <a:hlinkClick r:id="rId3"/>
+              </a:rPr>
+              <a:t>https://git.wiki.kernel.org/index.php/InterfacesFrontendsAndTools</a:t>
+            </a:r>
+            <a:endParaRPr lang="pt-BR" sz="2800" dirty="0"/>
+          </a:p>
+        </p:txBody>
+      </p:sp>
+      <p:sp>
+        <p:nvSpPr>
+          <p:cNvPr id="4" name="Text Placeholder 3">
+            <a:extLst>
+              <a:ext uri="{FF2B5EF4-FFF2-40B4-BE49-F238E27FC236}">
+                <a16:creationId xmlns:a16="http://schemas.microsoft.com/office/drawing/2014/main" id="{F6A88966-6941-495D-9326-C0DD40953A25}"/>
+              </a:ext>
+            </a:extLst>
+          </p:cNvPr>
+          <p:cNvSpPr>
+            <a:spLocks noGrp="1"/>
+          </p:cNvSpPr>
+          <p:nvPr>
+            <p:ph type="body" idx="1"/>
+          </p:nvPr>
+        </p:nvSpPr>
+        <p:spPr/>
+        <p:txBody>
+          <a:bodyPr/>
+          <a:lstStyle/>
+          <a:p>
+            <a:r>
+              <a:rPr lang="pt-BR" dirty="0" err="1"/>
+              <a:t>Free</a:t>
+            </a:r>
+            <a:endParaRPr lang="pt-BR" dirty="0"/>
+          </a:p>
+        </p:txBody>
+      </p:sp>
+      <p:sp>
+        <p:nvSpPr>
+          <p:cNvPr id="3" name="Content Placeholder 2">
+            <a:extLst>
+              <a:ext uri="{FF2B5EF4-FFF2-40B4-BE49-F238E27FC236}">
+                <a16:creationId xmlns:a16="http://schemas.microsoft.com/office/drawing/2014/main" id="{D690BB89-3D60-4709-AB14-C87FE7579539}"/>
+              </a:ext>
+            </a:extLst>
+          </p:cNvPr>
+          <p:cNvSpPr>
+            <a:spLocks noGrp="1"/>
+          </p:cNvSpPr>
+          <p:nvPr>
+            <p:ph sz="half" idx="2"/>
+          </p:nvPr>
+        </p:nvSpPr>
+        <p:spPr>
+          <a:xfrm>
+            <a:off x="1097280" y="2582334"/>
+            <a:ext cx="4937760" cy="3378200"/>
+          </a:xfrm>
+        </p:spPr>
+        <p:txBody>
+          <a:bodyPr>
+            <a:normAutofit/>
+          </a:bodyPr>
+          <a:lstStyle/>
+          <a:p>
+            <a:r>
+              <a:rPr lang="pt-BR" dirty="0" err="1"/>
+              <a:t>Git-gui</a:t>
+            </a:r>
+            <a:r>
+              <a:rPr lang="pt-BR" dirty="0"/>
+              <a:t>, </a:t>
+            </a:r>
+            <a:r>
+              <a:rPr lang="pt-BR" dirty="0" err="1"/>
+              <a:t>Gitk</a:t>
+            </a:r>
+            <a:endParaRPr lang="pt-BR" dirty="0"/>
+          </a:p>
+          <a:p>
+            <a:r>
+              <a:rPr lang="pt-BR" dirty="0"/>
+              <a:t>GitHub Desktop</a:t>
+            </a:r>
+          </a:p>
+          <a:p>
+            <a:r>
+              <a:rPr lang="pt-BR" dirty="0" err="1"/>
+              <a:t>SourceTree</a:t>
+            </a:r>
+            <a:r>
+              <a:rPr lang="pt-BR" dirty="0"/>
+              <a:t>, </a:t>
+            </a:r>
+            <a:r>
+              <a:rPr lang="pt-BR" dirty="0" err="1"/>
+              <a:t>TortoiseGit</a:t>
+            </a:r>
+            <a:r>
+              <a:rPr lang="pt-BR" dirty="0"/>
+              <a:t>, </a:t>
+            </a:r>
+            <a:r>
+              <a:rPr lang="pt-BR" dirty="0" err="1"/>
+              <a:t>GitKraken</a:t>
+            </a:r>
+            <a:r>
+              <a:rPr lang="pt-BR" dirty="0"/>
+              <a:t>, </a:t>
+            </a:r>
+            <a:r>
+              <a:rPr lang="pt-BR" dirty="0" err="1"/>
+              <a:t>GitUp</a:t>
+            </a:r>
+            <a:endParaRPr lang="pt-BR" dirty="0"/>
+          </a:p>
+          <a:p>
+            <a:r>
+              <a:rPr lang="pt-BR" dirty="0" err="1"/>
+              <a:t>Git</a:t>
+            </a:r>
+            <a:r>
+              <a:rPr lang="pt-BR" dirty="0"/>
+              <a:t> </a:t>
+            </a:r>
+            <a:r>
+              <a:rPr lang="pt-BR" dirty="0" err="1"/>
+              <a:t>Extensions</a:t>
+            </a:r>
+            <a:r>
+              <a:rPr lang="pt-BR" dirty="0"/>
+              <a:t>, </a:t>
+            </a:r>
+            <a:r>
+              <a:rPr lang="pt-BR" dirty="0" err="1"/>
+              <a:t>Gitg</a:t>
+            </a:r>
+            <a:r>
+              <a:rPr lang="pt-BR" dirty="0"/>
+              <a:t>, </a:t>
+            </a:r>
+            <a:r>
+              <a:rPr lang="pt-BR" dirty="0" err="1"/>
+              <a:t>GitX-dev</a:t>
+            </a:r>
+            <a:r>
+              <a:rPr lang="pt-BR" dirty="0"/>
+              <a:t>, </a:t>
+            </a:r>
+            <a:r>
+              <a:rPr lang="pt-BR" dirty="0" err="1"/>
+              <a:t>Git</a:t>
+            </a:r>
+            <a:r>
+              <a:rPr lang="pt-BR" dirty="0"/>
+              <a:t>-cola</a:t>
+            </a:r>
+          </a:p>
+          <a:p>
+            <a:r>
+              <a:rPr lang="pt-BR" dirty="0" err="1"/>
+              <a:t>Cycligent</a:t>
+            </a:r>
+            <a:r>
+              <a:rPr lang="pt-BR" dirty="0"/>
+              <a:t> </a:t>
+            </a:r>
+            <a:r>
+              <a:rPr lang="pt-BR" dirty="0" err="1"/>
+              <a:t>Git</a:t>
+            </a:r>
+            <a:r>
+              <a:rPr lang="pt-BR" dirty="0"/>
+              <a:t> Tool, </a:t>
+            </a:r>
+            <a:r>
+              <a:rPr lang="pt-BR" dirty="0" err="1"/>
+              <a:t>GitEye</a:t>
+            </a:r>
+            <a:r>
+              <a:rPr lang="pt-BR" dirty="0"/>
+              <a:t>, </a:t>
+            </a:r>
+            <a:r>
+              <a:rPr lang="pt-BR" dirty="0" err="1"/>
+              <a:t>Fork</a:t>
+            </a:r>
+            <a:r>
+              <a:rPr lang="pt-BR" dirty="0"/>
+              <a:t>, </a:t>
+            </a:r>
+            <a:r>
+              <a:rPr lang="pt-BR" dirty="0" err="1"/>
+              <a:t>Giggle</a:t>
+            </a:r>
+            <a:endParaRPr lang="pt-BR" dirty="0"/>
+          </a:p>
+          <a:p>
+            <a:endParaRPr lang="pt-BR" dirty="0"/>
+          </a:p>
+        </p:txBody>
+      </p:sp>
+      <p:sp>
+        <p:nvSpPr>
+          <p:cNvPr id="5" name="Text Placeholder 4">
+            <a:extLst>
+              <a:ext uri="{FF2B5EF4-FFF2-40B4-BE49-F238E27FC236}">
+                <a16:creationId xmlns:a16="http://schemas.microsoft.com/office/drawing/2014/main" id="{F264CC16-792F-44B5-A960-561E30DCDBB5}"/>
+              </a:ext>
+            </a:extLst>
+          </p:cNvPr>
+          <p:cNvSpPr>
+            <a:spLocks noGrp="1"/>
+          </p:cNvSpPr>
+          <p:nvPr>
+            <p:ph type="body" sz="quarter" idx="3"/>
+          </p:nvPr>
+        </p:nvSpPr>
+        <p:spPr/>
+        <p:txBody>
+          <a:bodyPr/>
+          <a:lstStyle/>
+          <a:p>
+            <a:r>
+              <a:rPr lang="pt-BR" dirty="0" err="1"/>
+              <a:t>paid</a:t>
+            </a:r>
+            <a:endParaRPr lang="pt-BR" dirty="0"/>
+          </a:p>
+        </p:txBody>
+      </p:sp>
+      <p:sp>
+        <p:nvSpPr>
+          <p:cNvPr id="6" name="Content Placeholder 5">
+            <a:extLst>
+              <a:ext uri="{FF2B5EF4-FFF2-40B4-BE49-F238E27FC236}">
+                <a16:creationId xmlns:a16="http://schemas.microsoft.com/office/drawing/2014/main" id="{0C2E115E-7E77-4DE3-90FE-781AA22A64AE}"/>
+              </a:ext>
+            </a:extLst>
+          </p:cNvPr>
+          <p:cNvSpPr>
+            <a:spLocks noGrp="1"/>
+          </p:cNvSpPr>
+          <p:nvPr>
+            <p:ph sz="quarter" idx="4"/>
+          </p:nvPr>
+        </p:nvSpPr>
+        <p:spPr/>
+        <p:txBody>
+          <a:bodyPr/>
+          <a:lstStyle/>
+          <a:p>
+            <a:r>
+              <a:rPr lang="pt-BR" dirty="0" err="1"/>
+              <a:t>SmartGit</a:t>
+            </a:r>
+            <a:endParaRPr lang="pt-BR" dirty="0"/>
+          </a:p>
+          <a:p>
+            <a:r>
+              <a:rPr lang="pt-BR" dirty="0"/>
+              <a:t>Tower</a:t>
+            </a:r>
+          </a:p>
+          <a:p>
+            <a:r>
+              <a:rPr lang="pt-BR" dirty="0" err="1"/>
+              <a:t>Aurees</a:t>
+            </a:r>
+            <a:endParaRPr lang="pt-BR" dirty="0"/>
+          </a:p>
+          <a:p>
+            <a:r>
+              <a:rPr lang="pt-BR" dirty="0" err="1"/>
+              <a:t>Gitbox</a:t>
+            </a:r>
+            <a:endParaRPr lang="pt-BR" dirty="0"/>
+          </a:p>
+          <a:p>
+            <a:r>
+              <a:rPr lang="pt-BR" dirty="0" err="1"/>
+              <a:t>GitAahead</a:t>
+            </a:r>
+            <a:endParaRPr lang="pt-BR" dirty="0"/>
+          </a:p>
+          <a:p>
+            <a:endParaRPr lang="pt-BR" dirty="0"/>
+          </a:p>
+        </p:txBody>
+      </p:sp>
+    </p:spTree>
+    <p:extLst>
+      <p:ext uri="{BB962C8B-B14F-4D97-AF65-F5344CB8AC3E}">
+        <p14:creationId xmlns:p14="http://schemas.microsoft.com/office/powerpoint/2010/main" val="3905899298"/>
+      </p:ext>
+    </p:extLst>
+  </p:cSld>
+  <p:clrMapOvr>
+    <a:masterClrMapping/>
+  </p:clrMapOvr>
+</p:sld>
+</file>
+
+<file path=ppt/slides/slide41.xml><?xml version="1.0" encoding="utf-8"?>
+<p:sld xmlns:a="http://schemas.openxmlformats.org/drawingml/2006/main" xmlns:r="http://schemas.openxmlformats.org/officeDocument/2006/relationships" xmlns:p="http://schemas.openxmlformats.org/presentationml/2006/main">
+  <p:cSld>
+    <p:spTree>
+      <p:nvGrpSpPr>
+        <p:cNvPr id="1" name=""/>
+        <p:cNvGrpSpPr/>
+        <p:nvPr/>
+      </p:nvGrpSpPr>
+      <p:grpSpPr>
+        <a:xfrm>
+          <a:off x="0" y="0"/>
+          <a:ext cx="0" cy="0"/>
+          <a:chOff x="0" y="0"/>
+          <a:chExt cx="0" cy="0"/>
+        </a:xfrm>
+      </p:grpSpPr>
+      <p:sp>
+        <p:nvSpPr>
+          <p:cNvPr id="2" name="Title 1">
+            <a:extLst>
+              <a:ext uri="{FF2B5EF4-FFF2-40B4-BE49-F238E27FC236}">
                 <a16:creationId xmlns:a16="http://schemas.microsoft.com/office/drawing/2014/main" id="{873A232E-AF79-4EEE-BC8B-ED26B8EB4700}"/>
               </a:ext>
             </a:extLst>
@@ -12981,7 +13149,7 @@
 </p:sld>
 </file>
 
-<file path=ppt/slides/slide41.xml><?xml version="1.0" encoding="utf-8"?>
+<file path=ppt/slides/slide42.xml><?xml version="1.0" encoding="utf-8"?>
 <p:sld xmlns:a="http://schemas.openxmlformats.org/drawingml/2006/main" xmlns:r="http://schemas.openxmlformats.org/officeDocument/2006/relationships" xmlns:p="http://schemas.openxmlformats.org/presentationml/2006/main">
   <p:cSld>
     <p:spTree>
